--- a/Template_Presentation_Students.pptx
+++ b/Template_Presentation_Students.pptx
@@ -115,7 +115,7 @@
   </p:defaultTextStyle>
   <p:extLst>
     <p:ext uri="{EFAFB233-063F-42B5-8137-9DF3F51BA10A}">
-      <p15:sldGuideLst xmlns:p15="http://schemas.microsoft.com/office/powerpoint/2012/main">
+      <p15:sldGuideLst xmlns:p15="http://schemas.microsoft.com/office/powerpoint/2012/main" xmlns="">
         <p15:guide id="1" orient="horz" pos="2880">
           <p15:clr>
             <a:srgbClr val="A4A3A4"/>
@@ -277,7 +277,7 @@
           <a:p>
             <a:fld id="{1D8BD707-D9CF-40AE-B4C6-C98DA3205C09}" type="datetimeFigureOut">
               <a:rPr lang="en-US"/>
-              <a:t>6/6/2024</a:t>
+              <a:t>6/13/2024</a:t>
             </a:fld>
             <a:endParaRPr lang="en-US"/>
           </a:p>
@@ -457,7 +457,7 @@
           <a:p>
             <a:fld id="{1D8BD707-D9CF-40AE-B4C6-C98DA3205C09}" type="datetimeFigureOut">
               <a:rPr lang="en-US"/>
-              <a:t>6/6/2024</a:t>
+              <a:t>6/13/2024</a:t>
             </a:fld>
             <a:endParaRPr lang="en-US"/>
           </a:p>
@@ -680,7 +680,7 @@
           <a:p>
             <a:fld id="{1D8BD707-D9CF-40AE-B4C6-C98DA3205C09}" type="datetimeFigureOut">
               <a:rPr lang="en-US"/>
-              <a:t>6/6/2024</a:t>
+              <a:t>6/13/2024</a:t>
             </a:fld>
             <a:endParaRPr lang="en-US"/>
           </a:p>
@@ -837,7 +837,7 @@
           <a:p>
             <a:fld id="{1D8BD707-D9CF-40AE-B4C6-C98DA3205C09}" type="datetimeFigureOut">
               <a:rPr lang="en-US"/>
-              <a:t>6/6/2024</a:t>
+              <a:t>6/13/2024</a:t>
             </a:fld>
             <a:endParaRPr lang="en-US"/>
           </a:p>
@@ -965,7 +965,7 @@
           <a:p>
             <a:fld id="{1D8BD707-D9CF-40AE-B4C6-C98DA3205C09}" type="datetimeFigureOut">
               <a:rPr lang="en-US"/>
-              <a:t>6/6/2024</a:t>
+              <a:t>6/13/2024</a:t>
             </a:fld>
             <a:endParaRPr lang="en-US"/>
           </a:p>
@@ -1684,7 +1684,7 @@
           <a:p>
             <a:fld id="{1D8BD707-D9CF-40AE-B4C6-C98DA3205C09}" type="datetimeFigureOut">
               <a:rPr lang="en-US"/>
-              <a:t>6/6/2024</a:t>
+              <a:t>6/13/2024</a:t>
             </a:fld>
             <a:endParaRPr lang="en-US"/>
           </a:p>
@@ -2691,106 +2691,6 @@
           </a:p>
         </p:txBody>
       </p:sp>
-      <p:sp>
-        <p:nvSpPr>
-          <p:cNvPr id="3" name="object 3"/>
-          <p:cNvSpPr/>
-          <p:nvPr/>
-        </p:nvSpPr>
-        <p:spPr>
-          <a:xfrm>
-            <a:off x="9353550" y="5362575"/>
-            <a:ext cx="457200" cy="457200"/>
-          </a:xfrm>
-          <a:custGeom>
-            <a:avLst/>
-            <a:gdLst/>
-            <a:ahLst/>
-            <a:cxnLst/>
-            <a:rect l="l" t="t" r="r" b="b"/>
-            <a:pathLst>
-              <a:path w="457200" h="457200">
-                <a:moveTo>
-                  <a:pt x="457200" y="0"/>
-                </a:moveTo>
-                <a:lnTo>
-                  <a:pt x="0" y="0"/>
-                </a:lnTo>
-                <a:lnTo>
-                  <a:pt x="0" y="457200"/>
-                </a:lnTo>
-                <a:lnTo>
-                  <a:pt x="457200" y="457200"/>
-                </a:lnTo>
-                <a:lnTo>
-                  <a:pt x="457200" y="0"/>
-                </a:lnTo>
-                <a:close/>
-              </a:path>
-            </a:pathLst>
-          </a:custGeom>
-          <a:solidFill>
-            <a:srgbClr val="42AF51"/>
-          </a:solidFill>
-        </p:spPr>
-        <p:txBody>
-          <a:bodyPr wrap="square" lIns="0" tIns="0" rIns="0" bIns="0" rtlCol="0"/>
-          <a:lstStyle/>
-          <a:p>
-            <a:endParaRPr/>
-          </a:p>
-        </p:txBody>
-      </p:sp>
-      <p:sp>
-        <p:nvSpPr>
-          <p:cNvPr id="5" name="object 5"/>
-          <p:cNvSpPr/>
-          <p:nvPr/>
-        </p:nvSpPr>
-        <p:spPr>
-          <a:xfrm>
-            <a:off x="9353550" y="5895975"/>
-            <a:ext cx="180975" cy="180975"/>
-          </a:xfrm>
-          <a:custGeom>
-            <a:avLst/>
-            <a:gdLst/>
-            <a:ahLst/>
-            <a:cxnLst/>
-            <a:rect l="l" t="t" r="r" b="b"/>
-            <a:pathLst>
-              <a:path w="180975" h="180975">
-                <a:moveTo>
-                  <a:pt x="180975" y="0"/>
-                </a:moveTo>
-                <a:lnTo>
-                  <a:pt x="0" y="0"/>
-                </a:lnTo>
-                <a:lnTo>
-                  <a:pt x="0" y="180975"/>
-                </a:lnTo>
-                <a:lnTo>
-                  <a:pt x="180975" y="180975"/>
-                </a:lnTo>
-                <a:lnTo>
-                  <a:pt x="180975" y="0"/>
-                </a:lnTo>
-                <a:close/>
-              </a:path>
-            </a:pathLst>
-          </a:custGeom>
-          <a:solidFill>
-            <a:srgbClr val="2D936B"/>
-          </a:solidFill>
-        </p:spPr>
-        <p:txBody>
-          <a:bodyPr wrap="square" lIns="0" tIns="0" rIns="0" bIns="0" rtlCol="0"/>
-          <a:lstStyle/>
-          <a:p>
-            <a:endParaRPr/>
-          </a:p>
-        </p:txBody>
-      </p:sp>
       <p:pic>
         <p:nvPicPr>
           <p:cNvPr id="6" name="object 6"/>
@@ -2924,7 +2824,7 @@
           <p:cNvPr id="8" name="TextBox 7">
             <a:extLst>
               <a:ext uri="{FF2B5EF4-FFF2-40B4-BE49-F238E27FC236}">
-                <a16:creationId xmlns:a16="http://schemas.microsoft.com/office/drawing/2014/main" id="{80BF8A73-0EDC-374E-6C8E-A3BD0EF738E0}"/>
+                <a16:creationId xmlns:a16="http://schemas.microsoft.com/office/drawing/2014/main" xmlns="" id="{80BF8A73-0EDC-374E-6C8E-A3BD0EF738E0}"/>
               </a:ext>
             </a:extLst>
           </p:cNvPr>
@@ -3019,6 +2919,40 @@
             </a:r>
             <a:endParaRPr lang="en-IN" dirty="0">
               <a:latin typeface="Bell MT" panose="02020503060305020303" pitchFamily="18" charset="0"/>
+            </a:endParaRPr>
+          </a:p>
+        </p:txBody>
+      </p:sp>
+      <p:sp>
+        <p:nvSpPr>
+          <p:cNvPr id="4" name="TextBox 3"/>
+          <p:cNvSpPr txBox="1"/>
+          <p:nvPr/>
+        </p:nvSpPr>
+        <p:spPr>
+          <a:xfrm>
+            <a:off x="382718" y="4724400"/>
+            <a:ext cx="11468524" cy="523220"/>
+          </a:xfrm>
+          <a:prstGeom prst="rect">
+            <a:avLst/>
+          </a:prstGeom>
+          <a:noFill/>
+        </p:spPr>
+        <p:txBody>
+          <a:bodyPr wrap="none" rtlCol="0">
+            <a:spAutoFit/>
+          </a:bodyPr>
+          <a:lstStyle/>
+          <a:p>
+            <a:r>
+              <a:rPr lang="en-US" sz="2800" dirty="0">
+                <a:latin typeface="Bell MT" pitchFamily="18" charset="0"/>
+              </a:rPr>
+              <a:t>Project Link: https://github.com/Silent-killer-from-vizag/Cyber_Project.git</a:t>
+            </a:r>
+            <a:endParaRPr lang="en-IN" sz="2800" dirty="0">
+              <a:latin typeface="Bell MT" pitchFamily="18" charset="0"/>
             </a:endParaRPr>
           </a:p>
         </p:txBody>
@@ -5230,7 +5164,7 @@
           <p:cNvPr id="28" name="TextBox 27">
             <a:extLst>
               <a:ext uri="{FF2B5EF4-FFF2-40B4-BE49-F238E27FC236}">
-                <a16:creationId xmlns:a16="http://schemas.microsoft.com/office/drawing/2014/main" id="{D5F6FC2B-4B35-B22F-C8C0-7CD50F06E957}"/>
+                <a16:creationId xmlns:a16="http://schemas.microsoft.com/office/drawing/2014/main" xmlns="" id="{D5F6FC2B-4B35-B22F-C8C0-7CD50F06E957}"/>
               </a:ext>
             </a:extLst>
           </p:cNvPr>
@@ -6009,7 +5943,7 @@
           <p:cNvPr id="11" name="TextBox 10">
             <a:extLst>
               <a:ext uri="{FF2B5EF4-FFF2-40B4-BE49-F238E27FC236}">
-                <a16:creationId xmlns:a16="http://schemas.microsoft.com/office/drawing/2014/main" id="{6BE11ABE-3307-929C-AC7D-1424965E7B16}"/>
+                <a16:creationId xmlns:a16="http://schemas.microsoft.com/office/drawing/2014/main" xmlns="" id="{6BE11ABE-3307-929C-AC7D-1424965E7B16}"/>
               </a:ext>
             </a:extLst>
           </p:cNvPr>
@@ -6563,7 +6497,7 @@
           <p:cNvPr id="11" name="TextBox 10">
             <a:extLst>
               <a:ext uri="{FF2B5EF4-FFF2-40B4-BE49-F238E27FC236}">
-                <a16:creationId xmlns:a16="http://schemas.microsoft.com/office/drawing/2014/main" id="{F5264597-4A05-3A94-4EAE-E7D114311C07}"/>
+                <a16:creationId xmlns:a16="http://schemas.microsoft.com/office/drawing/2014/main" xmlns="" id="{F5264597-4A05-3A94-4EAE-E7D114311C07}"/>
               </a:ext>
             </a:extLst>
           </p:cNvPr>
@@ -7062,7 +6996,7 @@
           <p:cNvPr id="13" name="TextBox 12">
             <a:extLst>
               <a:ext uri="{FF2B5EF4-FFF2-40B4-BE49-F238E27FC236}">
-                <a16:creationId xmlns:a16="http://schemas.microsoft.com/office/drawing/2014/main" id="{22216337-099C-4E78-3369-B4E08CA0D59A}"/>
+                <a16:creationId xmlns:a16="http://schemas.microsoft.com/office/drawing/2014/main" xmlns="" id="{22216337-099C-4E78-3369-B4E08CA0D59A}"/>
               </a:ext>
             </a:extLst>
           </p:cNvPr>
@@ -7235,7 +7169,7 @@
           <p:cNvPr id="14" name="TextBox 13">
             <a:extLst>
               <a:ext uri="{FF2B5EF4-FFF2-40B4-BE49-F238E27FC236}">
-                <a16:creationId xmlns:a16="http://schemas.microsoft.com/office/drawing/2014/main" id="{7C7FCC16-BA7F-2134-CCCA-AFB2A8DAFC5A}"/>
+                <a16:creationId xmlns:a16="http://schemas.microsoft.com/office/drawing/2014/main" xmlns="" id="{7C7FCC16-BA7F-2134-CCCA-AFB2A8DAFC5A}"/>
               </a:ext>
             </a:extLst>
           </p:cNvPr>
@@ -7829,7 +7763,7 @@
           <p:cNvPr id="10" name="TextBox 9">
             <a:extLst>
               <a:ext uri="{FF2B5EF4-FFF2-40B4-BE49-F238E27FC236}">
-                <a16:creationId xmlns:a16="http://schemas.microsoft.com/office/drawing/2014/main" id="{BF8C39DC-5235-8CD1-5679-0BE55C3ABCE1}"/>
+                <a16:creationId xmlns:a16="http://schemas.microsoft.com/office/drawing/2014/main" xmlns="" id="{BF8C39DC-5235-8CD1-5679-0BE55C3ABCE1}"/>
               </a:ext>
             </a:extLst>
           </p:cNvPr>
@@ -8373,7 +8307,7 @@
           <p:cNvPr id="9" name="TextBox 8">
             <a:extLst>
               <a:ext uri="{FF2B5EF4-FFF2-40B4-BE49-F238E27FC236}">
-                <a16:creationId xmlns:a16="http://schemas.microsoft.com/office/drawing/2014/main" id="{6236AA92-2DB3-E96E-229B-28822CE92DAF}"/>
+                <a16:creationId xmlns:a16="http://schemas.microsoft.com/office/drawing/2014/main" xmlns="" id="{6236AA92-2DB3-E96E-229B-28822CE92DAF}"/>
               </a:ext>
             </a:extLst>
           </p:cNvPr>
@@ -8845,7 +8779,7 @@
           <p:cNvPr id="11" name="Rectangle 1">
             <a:extLst>
               <a:ext uri="{FF2B5EF4-FFF2-40B4-BE49-F238E27FC236}">
-                <a16:creationId xmlns:a16="http://schemas.microsoft.com/office/drawing/2014/main" id="{C99529F7-6626-0717-5442-FBD50D619858}"/>
+                <a16:creationId xmlns:a16="http://schemas.microsoft.com/office/drawing/2014/main" xmlns="" id="{C99529F7-6626-0717-5442-FBD50D619858}"/>
               </a:ext>
             </a:extLst>
           </p:cNvPr>
